--- a/bchukkal_final_project_presentation.pptx
+++ b/bchukkal_final_project_presentation.pptx
@@ -114,6 +114,11 @@
       </a:defRPr>
     </a:lvl9pPr>
   </p:defaultTextStyle>
+  <p:extLst>
+    <p:ext uri="{EFAFB233-063F-42B5-8137-9DF3F51BA10A}">
+      <p15:sldGuideLst xmlns:p15="http://schemas.microsoft.com/office/powerpoint/2012/main"/>
+    </p:ext>
+  </p:extLst>
 </p:presentation>
 </file>
 
@@ -3963,6 +3968,53 @@
           </a:p>
         </p:txBody>
       </p:sp>
+      <p:pic>
+        <p:nvPicPr>
+          <p:cNvPr id="1026" name="Picture 2" descr="Logos | The University of Maryland Brand">
+            <a:extLst>
+              <a:ext uri="{FF2B5EF4-FFF2-40B4-BE49-F238E27FC236}">
+                <a16:creationId xmlns:a16="http://schemas.microsoft.com/office/drawing/2014/main" id="{B7B7F1CF-97B3-7FAE-C4A7-2B29A02B1333}"/>
+              </a:ext>
+            </a:extLst>
+          </p:cNvPr>
+          <p:cNvPicPr>
+            <a:picLocks noChangeAspect="1" noChangeArrowheads="1"/>
+          </p:cNvPicPr>
+          <p:nvPr/>
+        </p:nvPicPr>
+        <p:blipFill>
+          <a:blip r:embed="rId2">
+            <a:extLst>
+              <a:ext uri="{28A0092B-C50C-407E-A947-70E740481C1C}">
+                <a14:useLocalDpi xmlns:a14="http://schemas.microsoft.com/office/drawing/2010/main" val="0"/>
+              </a:ext>
+            </a:extLst>
+          </a:blip>
+          <a:srcRect/>
+          <a:stretch>
+            <a:fillRect/>
+          </a:stretch>
+        </p:blipFill>
+        <p:spPr bwMode="auto">
+          <a:xfrm>
+            <a:off x="5048040" y="310307"/>
+            <a:ext cx="2095918" cy="2095918"/>
+          </a:xfrm>
+          <a:prstGeom prst="rect">
+            <a:avLst/>
+          </a:prstGeom>
+          <a:noFill/>
+          <a:extLst>
+            <a:ext uri="{909E8E84-426E-40DD-AFC4-6F175D3DCCD1}">
+              <a14:hiddenFill xmlns:a14="http://schemas.microsoft.com/office/drawing/2010/main">
+                <a:solidFill>
+                  <a:srgbClr val="FFFFFF"/>
+                </a:solidFill>
+              </a14:hiddenFill>
+            </a:ext>
+          </a:extLst>
+        </p:spPr>
+      </p:pic>
     </p:spTree>
     <p:extLst>
       <p:ext uri="{BB962C8B-B14F-4D97-AF65-F5344CB8AC3E}">
@@ -4023,8 +4075,8 @@
           </a:p>
         </p:txBody>
       </p:sp>
-      <mc:AlternateContent xmlns:mc="http://schemas.openxmlformats.org/markup-compatibility/2006">
-        <mc:Choice xmlns:a14="http://schemas.microsoft.com/office/drawing/2010/main" Requires="a14">
+      <mc:AlternateContent xmlns:mc="http://schemas.openxmlformats.org/markup-compatibility/2006" xmlns:a14="http://schemas.microsoft.com/office/drawing/2010/main">
+        <mc:Choice Requires="a14">
           <p:sp>
             <p:nvSpPr>
               <p:cNvPr id="3" name="Content Placeholder 2">
@@ -5032,7 +5084,7 @@
             </p:txBody>
           </p:sp>
         </mc:Choice>
-        <mc:Fallback>
+        <mc:Fallback xmlns="">
           <p:sp>
             <p:nvSpPr>
               <p:cNvPr id="3" name="Content Placeholder 2">
@@ -5196,6 +5248,55 @@
           </a:p>
         </p:txBody>
       </p:sp>
+      <p:sp>
+        <p:nvSpPr>
+          <p:cNvPr id="4" name="TextBox 3">
+            <a:extLst>
+              <a:ext uri="{FF2B5EF4-FFF2-40B4-BE49-F238E27FC236}">
+                <a16:creationId xmlns:a16="http://schemas.microsoft.com/office/drawing/2014/main" id="{9BC58AA2-D314-E58A-1890-BB2CB0271D95}"/>
+              </a:ext>
+            </a:extLst>
+          </p:cNvPr>
+          <p:cNvSpPr txBox="1"/>
+          <p:nvPr/>
+        </p:nvSpPr>
+        <p:spPr>
+          <a:xfrm>
+            <a:off x="1287624" y="4432041"/>
+            <a:ext cx="4862100" cy="369332"/>
+          </a:xfrm>
+          <a:prstGeom prst="rect">
+            <a:avLst/>
+          </a:prstGeom>
+          <a:noFill/>
+        </p:spPr>
+        <p:txBody>
+          <a:bodyPr wrap="none" rtlCol="0">
+            <a:spAutoFit/>
+          </a:bodyPr>
+          <a:lstStyle/>
+          <a:p>
+            <a:r>
+              <a:rPr lang="en-US" dirty="0"/>
+              <a:t>All Relevant codes and plots </a:t>
+            </a:r>
+            <a:r>
+              <a:rPr lang="en-US" dirty="0">
+                <a:sym typeface="Wingdings" panose="05000000000000000000" pitchFamily="2" charset="2"/>
+              </a:rPr>
+              <a:t> </a:t>
+            </a:r>
+            <a:r>
+              <a:rPr lang="en-US" dirty="0">
+                <a:sym typeface="Wingdings" panose="05000000000000000000" pitchFamily="2" charset="2"/>
+                <a:hlinkClick r:id="rId2"/>
+              </a:rPr>
+              <a:t>GitHub Repository</a:t>
+            </a:r>
+            <a:endParaRPr lang="en-US" dirty="0"/>
+          </a:p>
+        </p:txBody>
+      </p:sp>
     </p:spTree>
     <p:extLst>
       <p:ext uri="{BB962C8B-B14F-4D97-AF65-F5344CB8AC3E}">
@@ -6061,8 +6162,8 @@
           </a:p>
         </p:txBody>
       </p:sp>
-      <mc:AlternateContent xmlns:mc="http://schemas.openxmlformats.org/markup-compatibility/2006">
-        <mc:Choice xmlns:a14="http://schemas.microsoft.com/office/drawing/2010/main" Requires="a14">
+      <mc:AlternateContent xmlns:mc="http://schemas.openxmlformats.org/markup-compatibility/2006" xmlns:a14="http://schemas.microsoft.com/office/drawing/2010/main">
+        <mc:Choice Requires="a14">
           <p:sp>
             <p:nvSpPr>
               <p:cNvPr id="3" name="Content Placeholder 2">
@@ -6168,6 +6269,7 @@
                           <a:srgbClr val="595959"/>
                         </a:solidFill>
                         <a:effectLst/>
+                        <a:latin typeface="Cambria Math" panose="02040503050406030204" pitchFamily="18" charset="0"/>
                         <a:ea typeface="Constantia" panose="02030602050306030303" pitchFamily="18" charset="0"/>
                         <a:cs typeface="Times New Roman" panose="02020603050405020304" pitchFamily="18" charset="0"/>
                       </a:rPr>
@@ -6181,6 +6283,7 @@
                               <a:srgbClr val="595959"/>
                             </a:solidFill>
                             <a:effectLst/>
+                            <a:latin typeface="Cambria Math" panose="02040503050406030204" pitchFamily="18" charset="0"/>
                             <a:ea typeface="Constantia" panose="02030602050306030303" pitchFamily="18" charset="0"/>
                             <a:cs typeface="Times New Roman" panose="02020603050405020304" pitchFamily="18" charset="0"/>
                           </a:rPr>
@@ -6193,6 +6296,7 @@
                               <a:srgbClr val="595959"/>
                             </a:solidFill>
                             <a:effectLst/>
+                            <a:latin typeface="Cambria Math" panose="02040503050406030204" pitchFamily="18" charset="0"/>
                             <a:ea typeface="Constantia" panose="02030602050306030303" pitchFamily="18" charset="0"/>
                             <a:cs typeface="Times New Roman" panose="02020603050405020304" pitchFamily="18" charset="0"/>
                           </a:rPr>
@@ -6206,6 +6310,7 @@
                               <a:srgbClr val="595959"/>
                             </a:solidFill>
                             <a:effectLst/>
+                            <a:latin typeface="Cambria Math" panose="02040503050406030204" pitchFamily="18" charset="0"/>
                             <a:ea typeface="Constantia" panose="02030602050306030303" pitchFamily="18" charset="0"/>
                             <a:cs typeface="Times New Roman" panose="02020603050405020304" pitchFamily="18" charset="0"/>
                           </a:rPr>
@@ -6221,6 +6326,7 @@
                               <a:srgbClr val="595959"/>
                             </a:solidFill>
                             <a:effectLst/>
+                            <a:latin typeface="Cambria Math" panose="02040503050406030204" pitchFamily="18" charset="0"/>
                             <a:ea typeface="Constantia" panose="02030602050306030303" pitchFamily="18" charset="0"/>
                             <a:cs typeface="Times New Roman" panose="02020603050405020304" pitchFamily="18" charset="0"/>
                           </a:rPr>
@@ -6233,6 +6339,7 @@
                               <a:srgbClr val="595959"/>
                             </a:solidFill>
                             <a:effectLst/>
+                            <a:latin typeface="Cambria Math" panose="02040503050406030204" pitchFamily="18" charset="0"/>
                             <a:ea typeface="Constantia" panose="02030602050306030303" pitchFamily="18" charset="0"/>
                             <a:cs typeface="Times New Roman" panose="02020603050405020304" pitchFamily="18" charset="0"/>
                           </a:rPr>
@@ -6244,6 +6351,7 @@
                               <a:srgbClr val="595959"/>
                             </a:solidFill>
                             <a:effectLst/>
+                            <a:latin typeface="Cambria Math" panose="02040503050406030204" pitchFamily="18" charset="0"/>
                             <a:ea typeface="Constantia" panose="02030602050306030303" pitchFamily="18" charset="0"/>
                             <a:cs typeface="Times New Roman" panose="02020603050405020304" pitchFamily="18" charset="0"/>
                           </a:rPr>
@@ -6255,6 +6363,7 @@
                               <a:srgbClr val="595959"/>
                             </a:solidFill>
                             <a:effectLst/>
+                            <a:latin typeface="Cambria Math" panose="02040503050406030204" pitchFamily="18" charset="0"/>
                             <a:ea typeface="Constantia" panose="02030602050306030303" pitchFamily="18" charset="0"/>
                             <a:cs typeface="Times New Roman" panose="02020603050405020304" pitchFamily="18" charset="0"/>
                           </a:rPr>
@@ -6328,6 +6437,7 @@
                           <a:srgbClr val="595959"/>
                         </a:solidFill>
                         <a:effectLst/>
+                        <a:latin typeface="Cambria Math" panose="02040503050406030204" pitchFamily="18" charset="0"/>
                         <a:ea typeface="Constantia" panose="02030602050306030303" pitchFamily="18" charset="0"/>
                         <a:cs typeface="Times New Roman" panose="02020603050405020304" pitchFamily="18" charset="0"/>
                       </a:rPr>
@@ -6339,6 +6449,7 @@
                           <a:srgbClr val="595959"/>
                         </a:solidFill>
                         <a:effectLst/>
+                        <a:latin typeface="Cambria Math" panose="02040503050406030204" pitchFamily="18" charset="0"/>
                         <a:ea typeface="Constantia" panose="02030602050306030303" pitchFamily="18" charset="0"/>
                         <a:cs typeface="Times New Roman" panose="02020603050405020304" pitchFamily="18" charset="0"/>
                       </a:rPr>
@@ -6376,6 +6487,7 @@
                           <a:srgbClr val="595959"/>
                         </a:solidFill>
                         <a:effectLst/>
+                        <a:latin typeface="Cambria Math" panose="02040503050406030204" pitchFamily="18" charset="0"/>
                         <a:ea typeface="Constantia" panose="02030602050306030303" pitchFamily="18" charset="0"/>
                         <a:cs typeface="Times New Roman" panose="02020603050405020304" pitchFamily="18" charset="0"/>
                       </a:rPr>
@@ -6462,6 +6574,7 @@
                               <a:srgbClr val="595959"/>
                             </a:solidFill>
                             <a:effectLst/>
+                            <a:latin typeface="Cambria Math" panose="02040503050406030204" pitchFamily="18" charset="0"/>
                             <a:ea typeface="Constantia" panose="02030602050306030303" pitchFamily="18" charset="0"/>
                             <a:cs typeface="Times New Roman" panose="02020603050405020304" pitchFamily="18" charset="0"/>
                           </a:rPr>
@@ -6476,6 +6589,7 @@
                                   <a:srgbClr val="595959"/>
                                 </a:solidFill>
                                 <a:effectLst/>
+                                <a:latin typeface="Cambria Math" panose="02040503050406030204" pitchFamily="18" charset="0"/>
                                 <a:ea typeface="Constantia" panose="02030602050306030303" pitchFamily="18" charset="0"/>
                                 <a:cs typeface="Times New Roman" panose="02020603050405020304" pitchFamily="18" charset="0"/>
                               </a:rPr>
@@ -6488,6 +6602,7 @@
                                   <a:srgbClr val="595959"/>
                                 </a:solidFill>
                                 <a:effectLst/>
+                                <a:latin typeface="Cambria Math" panose="02040503050406030204" pitchFamily="18" charset="0"/>
                                 <a:ea typeface="Constantia" panose="02030602050306030303" pitchFamily="18" charset="0"/>
                                 <a:cs typeface="Times New Roman" panose="02020603050405020304" pitchFamily="18" charset="0"/>
                               </a:rPr>
@@ -6501,6 +6616,7 @@
                                   <a:srgbClr val="595959"/>
                                 </a:solidFill>
                                 <a:effectLst/>
+                                <a:latin typeface="Cambria Math" panose="02040503050406030204" pitchFamily="18" charset="0"/>
                                 <a:ea typeface="Constantia" panose="02030602050306030303" pitchFamily="18" charset="0"/>
                                 <a:cs typeface="Times New Roman" panose="02020603050405020304" pitchFamily="18" charset="0"/>
                               </a:rPr>
@@ -6516,6 +6632,7 @@
                                   <a:srgbClr val="595959"/>
                                 </a:solidFill>
                                 <a:effectLst/>
+                                <a:latin typeface="Cambria Math" panose="02040503050406030204" pitchFamily="18" charset="0"/>
                                 <a:ea typeface="Constantia" panose="02030602050306030303" pitchFamily="18" charset="0"/>
                                 <a:cs typeface="Times New Roman" panose="02020603050405020304" pitchFamily="18" charset="0"/>
                               </a:rPr>
@@ -6528,6 +6645,7 @@
                                   <a:srgbClr val="595959"/>
                                 </a:solidFill>
                                 <a:effectLst/>
+                                <a:latin typeface="Cambria Math" panose="02040503050406030204" pitchFamily="18" charset="0"/>
                                 <a:ea typeface="Constantia" panose="02030602050306030303" pitchFamily="18" charset="0"/>
                                 <a:cs typeface="Times New Roman" panose="02020603050405020304" pitchFamily="18" charset="0"/>
                               </a:rPr>
@@ -6539,6 +6657,7 @@
                                   <a:srgbClr val="595959"/>
                                 </a:solidFill>
                                 <a:effectLst/>
+                                <a:latin typeface="Cambria Math" panose="02040503050406030204" pitchFamily="18" charset="0"/>
                                 <a:ea typeface="Constantia" panose="02030602050306030303" pitchFamily="18" charset="0"/>
                                 <a:cs typeface="Times New Roman" panose="02020603050405020304" pitchFamily="18" charset="0"/>
                               </a:rPr>
@@ -6550,6 +6669,7 @@
                                   <a:srgbClr val="595959"/>
                                 </a:solidFill>
                                 <a:effectLst/>
+                                <a:latin typeface="Cambria Math" panose="02040503050406030204" pitchFamily="18" charset="0"/>
                                 <a:ea typeface="Constantia" panose="02030602050306030303" pitchFamily="18" charset="0"/>
                                 <a:cs typeface="Times New Roman" panose="02020603050405020304" pitchFamily="18" charset="0"/>
                               </a:rPr>
@@ -6563,6 +6683,7 @@
                               <a:srgbClr val="595959"/>
                             </a:solidFill>
                             <a:effectLst/>
+                            <a:latin typeface="Cambria Math" panose="02040503050406030204" pitchFamily="18" charset="0"/>
                             <a:ea typeface="Constantia" panose="02030602050306030303" pitchFamily="18" charset="0"/>
                             <a:cs typeface="Times New Roman" panose="02020603050405020304" pitchFamily="18" charset="0"/>
                           </a:rPr>
@@ -6574,6 +6695,7 @@
                               <a:srgbClr val="595959"/>
                             </a:solidFill>
                             <a:effectLst/>
+                            <a:latin typeface="Cambria Math" panose="02040503050406030204" pitchFamily="18" charset="0"/>
                             <a:ea typeface="Constantia" panose="02030602050306030303" pitchFamily="18" charset="0"/>
                             <a:cs typeface="Times New Roman" panose="02020603050405020304" pitchFamily="18" charset="0"/>
                           </a:rPr>
@@ -6609,7 +6731,7 @@
             </p:txBody>
           </p:sp>
         </mc:Choice>
-        <mc:Fallback>
+        <mc:Fallback xmlns="">
           <p:sp>
             <p:nvSpPr>
               <p:cNvPr id="3" name="Content Placeholder 2">
@@ -7016,7 +7138,7 @@
         <p:spPr/>
         <p:txBody>
           <a:bodyPr>
-            <a:normAutofit lnSpcReduction="10000"/>
+            <a:normAutofit fontScale="92500"/>
           </a:bodyPr>
           <a:lstStyle/>
           <a:p>
@@ -7132,6 +7254,28 @@
               </a:rPr>
               <a:t>But to be sure, tried L2 regularization too, and checked the learning curve which showed similar results. Hence, did not use any regularization on the final model.</a:t>
             </a:r>
+          </a:p>
+          <a:p>
+            <a:r>
+              <a:rPr lang="en-US" sz="1800" dirty="0">
+                <a:ea typeface="Constantia" panose="02030602050306030303" pitchFamily="18" charset="0"/>
+                <a:cs typeface="Times New Roman" panose="02020603050405020304" pitchFamily="18" charset="0"/>
+              </a:rPr>
+              <a:t>Check resultant plots </a:t>
+            </a:r>
+            <a:r>
+              <a:rPr lang="en-US" sz="1800" dirty="0">
+                <a:ea typeface="Constantia" panose="02030602050306030303" pitchFamily="18" charset="0"/>
+                <a:cs typeface="Times New Roman" panose="02020603050405020304" pitchFamily="18" charset="0"/>
+                <a:hlinkClick r:id="rId2"/>
+              </a:rPr>
+              <a:t>here</a:t>
+            </a:r>
+            <a:endParaRPr lang="en-US" sz="1800" dirty="0">
+              <a:effectLst/>
+              <a:ea typeface="Constantia" panose="02030602050306030303" pitchFamily="18" charset="0"/>
+              <a:cs typeface="Times New Roman" panose="02020603050405020304" pitchFamily="18" charset="0"/>
+            </a:endParaRPr>
           </a:p>
           <a:p>
             <a:pPr marL="0" indent="0">
